--- a/Projet SGBD2.pptx
+++ b/Projet SGBD2.pptx
@@ -5,7 +5,7 @@
     <p:sldMasterId id="2147483660" r:id="rId1"/>
   </p:sldMasterIdLst>
   <p:notesMasterIdLst>
-    <p:notesMasterId r:id="rId7"/>
+    <p:notesMasterId r:id="rId8"/>
   </p:notesMasterIdLst>
   <p:sldIdLst>
     <p:sldId id="256" r:id="rId2"/>
@@ -13,6 +13,7 @@
     <p:sldId id="258" r:id="rId4"/>
     <p:sldId id="259" r:id="rId5"/>
     <p:sldId id="260" r:id="rId6"/>
+    <p:sldId id="261" r:id="rId7"/>
   </p:sldIdLst>
   <p:sldSz cx="12192000" cy="6858000"/>
   <p:notesSz cx="6858000" cy="9144000"/>
@@ -111,6 +112,11 @@
       </a:defRPr>
     </a:lvl9pPr>
   </p:defaultTextStyle>
+  <p:extLst>
+    <p:ext uri="{EFAFB233-063F-42B5-8137-9DF3F51BA10A}">
+      <p15:sldGuideLst xmlns:p15="http://schemas.microsoft.com/office/powerpoint/2012/main"/>
+    </p:ext>
+  </p:extLst>
 </p:presentation>
 </file>
 
@@ -6493,7 +6499,7 @@
           </p:nvPr>
         </p:nvPicPr>
         <p:blipFill>
-          <a:blip r:embed="rId2">
+          <a:blip r:embed="rId4">
             <a:extLst>
               <a:ext uri="{28A0092B-C50C-407E-A947-70E740481C1C}">
                 <a14:useLocalDpi xmlns:a14="http://schemas.microsoft.com/office/drawing/2010/main" val="0"/>
@@ -6526,7 +6532,7 @@
           <p:nvPr/>
         </p:nvPicPr>
         <p:blipFill>
-          <a:blip r:embed="rId3">
+          <a:blip r:embed="rId5">
             <a:extLst>
               <a:ext uri="{28A0092B-C50C-407E-A947-70E740481C1C}">
                 <a14:useLocalDpi xmlns:a14="http://schemas.microsoft.com/office/drawing/2010/main" val="0"/>
@@ -6643,6 +6649,44 @@
           </a:p>
         </p:txBody>
       </p:sp>
+      <p:pic>
+        <p:nvPicPr>
+          <p:cNvPr id="2" name="diapo-1">
+            <a:hlinkClick r:id="" action="ppaction://media"/>
+            <a:extLst>
+              <a:ext uri="{FF2B5EF4-FFF2-40B4-BE49-F238E27FC236}">
+                <a16:creationId xmlns:a16="http://schemas.microsoft.com/office/drawing/2014/main" id="{37886DC4-3A32-4BC6-83D2-160E06333DD0}"/>
+              </a:ext>
+            </a:extLst>
+          </p:cNvPr>
+          <p:cNvPicPr>
+            <a:picLocks noChangeAspect="1"/>
+          </p:cNvPicPr>
+          <p:nvPr>
+            <a:audioFile r:link="rId2"/>
+            <p:extLst>
+              <p:ext uri="{DAA4B4D4-6D71-4841-9C94-3DE7FCFB9230}">
+                <p14:media xmlns:p14="http://schemas.microsoft.com/office/powerpoint/2010/main" r:embed="rId1"/>
+              </p:ext>
+            </p:extLst>
+          </p:nvPr>
+        </p:nvPicPr>
+        <p:blipFill>
+          <a:blip r:embed="rId6"/>
+          <a:stretch>
+            <a:fillRect/>
+          </a:stretch>
+        </p:blipFill>
+        <p:spPr>
+          <a:xfrm>
+            <a:off x="518983" y="438302"/>
+            <a:ext cx="609600" cy="609600"/>
+          </a:xfrm>
+          <a:prstGeom prst="rect">
+            <a:avLst/>
+          </a:prstGeom>
+        </p:spPr>
+      </p:pic>
     </p:spTree>
     <p:extLst>
       <p:ext uri="{BB962C8B-B14F-4D97-AF65-F5344CB8AC3E}">
@@ -6653,6 +6697,90 @@
   <p:clrMapOvr>
     <a:masterClrMapping/>
   </p:clrMapOvr>
+  <p:timing>
+    <p:tnLst>
+      <p:par>
+        <p:cTn id="1" dur="indefinite" restart="never" nodeType="tmRoot">
+          <p:childTnLst>
+            <p:seq concurrent="1" nextAc="seek">
+              <p:cTn id="2" dur="indefinite" nodeType="mainSeq">
+                <p:childTnLst>
+                  <p:par>
+                    <p:cTn id="3" fill="hold">
+                      <p:stCondLst>
+                        <p:cond delay="indefinite"/>
+                      </p:stCondLst>
+                      <p:childTnLst>
+                        <p:par>
+                          <p:cTn id="4" fill="hold">
+                            <p:stCondLst>
+                              <p:cond delay="0"/>
+                            </p:stCondLst>
+                            <p:childTnLst>
+                              <p:par>
+                                <p:cTn id="5" presetID="1" presetClass="mediacall" presetSubtype="0" fill="hold" nodeType="clickEffect">
+                                  <p:stCondLst>
+                                    <p:cond delay="0"/>
+                                  </p:stCondLst>
+                                  <p:childTnLst>
+                                    <p:cmd type="call" cmd="playFrom(0.0)">
+                                      <p:cBhvr>
+                                        <p:cTn id="6" dur="9299" fill="hold"/>
+                                        <p:tgtEl>
+                                          <p:spTgt spid="2"/>
+                                        </p:tgtEl>
+                                      </p:cBhvr>
+                                    </p:cmd>
+                                  </p:childTnLst>
+                                </p:cTn>
+                              </p:par>
+                            </p:childTnLst>
+                          </p:cTn>
+                        </p:par>
+                      </p:childTnLst>
+                    </p:cTn>
+                  </p:par>
+                </p:childTnLst>
+              </p:cTn>
+              <p:prevCondLst>
+                <p:cond evt="onPrev" delay="0">
+                  <p:tgtEl>
+                    <p:sldTgt/>
+                  </p:tgtEl>
+                </p:cond>
+              </p:prevCondLst>
+              <p:nextCondLst>
+                <p:cond evt="onNext" delay="0">
+                  <p:tgtEl>
+                    <p:sldTgt/>
+                  </p:tgtEl>
+                </p:cond>
+              </p:nextCondLst>
+            </p:seq>
+            <p:audio>
+              <p:cMediaNode vol="80000" showWhenStopped="0">
+                <p:cTn id="7" fill="hold" display="0">
+                  <p:stCondLst>
+                    <p:cond delay="indefinite"/>
+                  </p:stCondLst>
+                  <p:endCondLst>
+                    <p:cond evt="onStopAudio" delay="0">
+                      <p:tgtEl>
+                        <p:sldTgt/>
+                      </p:tgtEl>
+                    </p:cond>
+                  </p:endCondLst>
+                </p:cTn>
+                <p:tgtEl>
+                  <p:spTgt spid="2"/>
+                </p:tgtEl>
+              </p:cMediaNode>
+            </p:audio>
+          </p:childTnLst>
+        </p:cTn>
+      </p:par>
+    </p:tnLst>
+  </p:timing>
 </p:sld>
 </file>
 
@@ -6794,6 +6922,44 @@
           </a:p>
         </p:txBody>
       </p:sp>
+      <p:pic>
+        <p:nvPicPr>
+          <p:cNvPr id="4" name="diapo-2">
+            <a:hlinkClick r:id="" action="ppaction://media"/>
+            <a:extLst>
+              <a:ext uri="{FF2B5EF4-FFF2-40B4-BE49-F238E27FC236}">
+                <a16:creationId xmlns:a16="http://schemas.microsoft.com/office/drawing/2014/main" id="{CC6736C4-5589-499F-AE27-0979E6438EB4}"/>
+              </a:ext>
+            </a:extLst>
+          </p:cNvPr>
+          <p:cNvPicPr>
+            <a:picLocks noChangeAspect="1"/>
+          </p:cNvPicPr>
+          <p:nvPr>
+            <a:audioFile r:link="rId2"/>
+            <p:extLst>
+              <p:ext uri="{DAA4B4D4-6D71-4841-9C94-3DE7FCFB9230}">
+                <p14:media xmlns:p14="http://schemas.microsoft.com/office/powerpoint/2010/main" r:embed="rId1"/>
+              </p:ext>
+            </p:extLst>
+          </p:nvPr>
+        </p:nvPicPr>
+        <p:blipFill>
+          <a:blip r:embed="rId4"/>
+          <a:stretch>
+            <a:fillRect/>
+          </a:stretch>
+        </p:blipFill>
+        <p:spPr>
+          <a:xfrm>
+            <a:off x="8962767" y="374772"/>
+            <a:ext cx="609600" cy="609600"/>
+          </a:xfrm>
+          <a:prstGeom prst="rect">
+            <a:avLst/>
+          </a:prstGeom>
+        </p:spPr>
+      </p:pic>
     </p:spTree>
     <p:extLst>
       <p:ext uri="{BB962C8B-B14F-4D97-AF65-F5344CB8AC3E}">
@@ -6804,6 +6970,90 @@
   <p:clrMapOvr>
     <a:masterClrMapping/>
   </p:clrMapOvr>
+  <p:timing>
+    <p:tnLst>
+      <p:par>
+        <p:cTn id="1" dur="indefinite" restart="never" nodeType="tmRoot">
+          <p:childTnLst>
+            <p:seq concurrent="1" nextAc="seek">
+              <p:cTn id="2" dur="indefinite" nodeType="mainSeq">
+                <p:childTnLst>
+                  <p:par>
+                    <p:cTn id="3" fill="hold">
+                      <p:stCondLst>
+                        <p:cond delay="indefinite"/>
+                      </p:stCondLst>
+                      <p:childTnLst>
+                        <p:par>
+                          <p:cTn id="4" fill="hold">
+                            <p:stCondLst>
+                              <p:cond delay="0"/>
+                            </p:stCondLst>
+                            <p:childTnLst>
+                              <p:par>
+                                <p:cTn id="5" presetID="1" presetClass="mediacall" presetSubtype="0" fill="hold" nodeType="clickEffect">
+                                  <p:stCondLst>
+                                    <p:cond delay="0"/>
+                                  </p:stCondLst>
+                                  <p:childTnLst>
+                                    <p:cmd type="call" cmd="playFrom(0.0)">
+                                      <p:cBhvr>
+                                        <p:cTn id="6" dur="24058" fill="hold"/>
+                                        <p:tgtEl>
+                                          <p:spTgt spid="4"/>
+                                        </p:tgtEl>
+                                      </p:cBhvr>
+                                    </p:cmd>
+                                  </p:childTnLst>
+                                </p:cTn>
+                              </p:par>
+                            </p:childTnLst>
+                          </p:cTn>
+                        </p:par>
+                      </p:childTnLst>
+                    </p:cTn>
+                  </p:par>
+                </p:childTnLst>
+              </p:cTn>
+              <p:prevCondLst>
+                <p:cond evt="onPrev" delay="0">
+                  <p:tgtEl>
+                    <p:sldTgt/>
+                  </p:tgtEl>
+                </p:cond>
+              </p:prevCondLst>
+              <p:nextCondLst>
+                <p:cond evt="onNext" delay="0">
+                  <p:tgtEl>
+                    <p:sldTgt/>
+                  </p:tgtEl>
+                </p:cond>
+              </p:nextCondLst>
+            </p:seq>
+            <p:audio>
+              <p:cMediaNode vol="80000" showWhenStopped="0">
+                <p:cTn id="7" fill="hold" display="0">
+                  <p:stCondLst>
+                    <p:cond delay="indefinite"/>
+                  </p:stCondLst>
+                  <p:endCondLst>
+                    <p:cond evt="onStopAudio" delay="0">
+                      <p:tgtEl>
+                        <p:sldTgt/>
+                      </p:tgtEl>
+                    </p:cond>
+                  </p:endCondLst>
+                </p:cTn>
+                <p:tgtEl>
+                  <p:spTgt spid="4"/>
+                </p:tgtEl>
+              </p:cMediaNode>
+            </p:audio>
+          </p:childTnLst>
+        </p:cTn>
+      </p:par>
+    </p:tnLst>
+  </p:timing>
 </p:sld>
 </file>
 
@@ -6950,7 +7200,7 @@
           <p:nvPr/>
         </p:nvPicPr>
         <p:blipFill>
-          <a:blip r:embed="rId2">
+          <a:blip r:embed="rId4">
             <a:extLst>
               <a:ext uri="{28A0092B-C50C-407E-A947-70E740481C1C}">
                 <a14:useLocalDpi xmlns:a14="http://schemas.microsoft.com/office/drawing/2010/main" val="0"/>
@@ -6986,7 +7236,7 @@
           <p:nvPr/>
         </p:nvPicPr>
         <p:blipFill>
-          <a:blip r:embed="rId3">
+          <a:blip r:embed="rId5">
             <a:extLst>
               <a:ext uri="{28A0092B-C50C-407E-A947-70E740481C1C}">
                 <a14:useLocalDpi xmlns:a14="http://schemas.microsoft.com/office/drawing/2010/main" val="0"/>
@@ -7022,13 +7272,13 @@
           <p:nvPr/>
         </p:nvPicPr>
         <p:blipFill>
-          <a:blip r:embed="rId4">
+          <a:blip r:embed="rId6">
             <a:extLst>
               <a:ext uri="{28A0092B-C50C-407E-A947-70E740481C1C}">
                 <a14:useLocalDpi xmlns:a14="http://schemas.microsoft.com/office/drawing/2010/main" val="0"/>
               </a:ext>
               <a:ext uri="{96DAC541-7B7A-43D3-8B79-37D633B846F1}">
-                <asvg:svgBlip xmlns:asvg="http://schemas.microsoft.com/office/drawing/2016/SVG/main" r:embed="rId5"/>
+                <asvg:svgBlip xmlns:asvg="http://schemas.microsoft.com/office/drawing/2016/SVG/main" r:embed="rId7"/>
               </a:ext>
             </a:extLst>
           </a:blip>
@@ -7076,7 +7326,7 @@
           <a:p>
             <a:r>
               <a:rPr lang="fr-FR" sz="800" dirty="0">
-                <a:hlinkClick r:id="rId6">
+                <a:hlinkClick r:id="rId8">
                   <a:extLst>
                     <a:ext uri="{A12FA001-AC4F-418D-AE19-62706E023703}">
                       <ahyp:hlinkClr xmlns:ahyp="http://schemas.microsoft.com/office/drawing/2018/hyperlinkcolor" val="tx"/>
@@ -7160,6 +7410,44 @@
           </a:p>
         </p:txBody>
       </p:sp>
+      <p:pic>
+        <p:nvPicPr>
+          <p:cNvPr id="4" name="Diapo_3">
+            <a:hlinkClick r:id="" action="ppaction://media"/>
+            <a:extLst>
+              <a:ext uri="{FF2B5EF4-FFF2-40B4-BE49-F238E27FC236}">
+                <a16:creationId xmlns:a16="http://schemas.microsoft.com/office/drawing/2014/main" id="{6C417943-ACF3-4CAD-AC19-812BD4C1CE3E}"/>
+              </a:ext>
+            </a:extLst>
+          </p:cNvPr>
+          <p:cNvPicPr>
+            <a:picLocks noChangeAspect="1"/>
+          </p:cNvPicPr>
+          <p:nvPr>
+            <a:audioFile r:link="rId2"/>
+            <p:extLst>
+              <p:ext uri="{DAA4B4D4-6D71-4841-9C94-3DE7FCFB9230}">
+                <p14:media xmlns:p14="http://schemas.microsoft.com/office/powerpoint/2010/main" r:embed="rId1"/>
+              </p:ext>
+            </p:extLst>
+          </p:nvPr>
+        </p:nvPicPr>
+        <p:blipFill>
+          <a:blip r:embed="rId9"/>
+          <a:stretch>
+            <a:fillRect/>
+          </a:stretch>
+        </p:blipFill>
+        <p:spPr>
+          <a:xfrm>
+            <a:off x="8839202" y="362132"/>
+            <a:ext cx="609600" cy="609600"/>
+          </a:xfrm>
+          <a:prstGeom prst="rect">
+            <a:avLst/>
+          </a:prstGeom>
+        </p:spPr>
+      </p:pic>
     </p:spTree>
     <p:extLst>
       <p:ext uri="{BB962C8B-B14F-4D97-AF65-F5344CB8AC3E}">
@@ -7170,6 +7458,90 @@
   <p:clrMapOvr>
     <a:masterClrMapping/>
   </p:clrMapOvr>
+  <p:timing>
+    <p:tnLst>
+      <p:par>
+        <p:cTn id="1" dur="indefinite" restart="never" nodeType="tmRoot">
+          <p:childTnLst>
+            <p:seq concurrent="1" nextAc="seek">
+              <p:cTn id="2" dur="indefinite" nodeType="mainSeq">
+                <p:childTnLst>
+                  <p:par>
+                    <p:cTn id="3" fill="hold">
+                      <p:stCondLst>
+                        <p:cond delay="indefinite"/>
+                      </p:stCondLst>
+                      <p:childTnLst>
+                        <p:par>
+                          <p:cTn id="4" fill="hold">
+                            <p:stCondLst>
+                              <p:cond delay="0"/>
+                            </p:stCondLst>
+                            <p:childTnLst>
+                              <p:par>
+                                <p:cTn id="5" presetID="1" presetClass="mediacall" presetSubtype="0" fill="hold" nodeType="clickEffect">
+                                  <p:stCondLst>
+                                    <p:cond delay="0"/>
+                                  </p:stCondLst>
+                                  <p:childTnLst>
+                                    <p:cmd type="call" cmd="playFrom(0.0)">
+                                      <p:cBhvr>
+                                        <p:cTn id="6" dur="45162" fill="hold"/>
+                                        <p:tgtEl>
+                                          <p:spTgt spid="4"/>
+                                        </p:tgtEl>
+                                      </p:cBhvr>
+                                    </p:cmd>
+                                  </p:childTnLst>
+                                </p:cTn>
+                              </p:par>
+                            </p:childTnLst>
+                          </p:cTn>
+                        </p:par>
+                      </p:childTnLst>
+                    </p:cTn>
+                  </p:par>
+                </p:childTnLst>
+              </p:cTn>
+              <p:prevCondLst>
+                <p:cond evt="onPrev" delay="0">
+                  <p:tgtEl>
+                    <p:sldTgt/>
+                  </p:tgtEl>
+                </p:cond>
+              </p:prevCondLst>
+              <p:nextCondLst>
+                <p:cond evt="onNext" delay="0">
+                  <p:tgtEl>
+                    <p:sldTgt/>
+                  </p:tgtEl>
+                </p:cond>
+              </p:nextCondLst>
+            </p:seq>
+            <p:audio>
+              <p:cMediaNode vol="80000" showWhenStopped="0">
+                <p:cTn id="7" fill="hold" display="0">
+                  <p:stCondLst>
+                    <p:cond delay="indefinite"/>
+                  </p:stCondLst>
+                  <p:endCondLst>
+                    <p:cond evt="onStopAudio" delay="0">
+                      <p:tgtEl>
+                        <p:sldTgt/>
+                      </p:tgtEl>
+                    </p:cond>
+                  </p:endCondLst>
+                </p:cTn>
+                <p:tgtEl>
+                  <p:spTgt spid="4"/>
+                </p:tgtEl>
+              </p:cMediaNode>
+            </p:audio>
+          </p:childTnLst>
+        </p:cTn>
+      </p:par>
+    </p:tnLst>
+  </p:timing>
 </p:sld>
 </file>
 
@@ -7284,7 +7656,7 @@
           <p:nvPr/>
         </p:nvPicPr>
         <p:blipFill>
-          <a:blip r:embed="rId2"/>
+          <a:blip r:embed="rId4"/>
           <a:stretch>
             <a:fillRect/>
           </a:stretch>
@@ -7314,7 +7686,7 @@
           <p:nvPr/>
         </p:nvPicPr>
         <p:blipFill>
-          <a:blip r:embed="rId3"/>
+          <a:blip r:embed="rId5"/>
           <a:stretch>
             <a:fillRect/>
           </a:stretch>
@@ -7344,7 +7716,7 @@
           <p:nvPr/>
         </p:nvPicPr>
         <p:blipFill>
-          <a:blip r:embed="rId4"/>
+          <a:blip r:embed="rId6"/>
           <a:stretch>
             <a:fillRect/>
           </a:stretch>
@@ -7388,6 +7760,44 @@
           </a:p>
         </p:txBody>
       </p:sp>
+      <p:pic>
+        <p:nvPicPr>
+          <p:cNvPr id="7" name="diapo4">
+            <a:hlinkClick r:id="" action="ppaction://media"/>
+            <a:extLst>
+              <a:ext uri="{FF2B5EF4-FFF2-40B4-BE49-F238E27FC236}">
+                <a16:creationId xmlns:a16="http://schemas.microsoft.com/office/drawing/2014/main" id="{DD84A1D7-1770-43CF-AF4A-8B4AD0044D10}"/>
+              </a:ext>
+            </a:extLst>
+          </p:cNvPr>
+          <p:cNvPicPr>
+            <a:picLocks noChangeAspect="1"/>
+          </p:cNvPicPr>
+          <p:nvPr>
+            <a:audioFile r:link="rId2"/>
+            <p:extLst>
+              <p:ext uri="{DAA4B4D4-6D71-4841-9C94-3DE7FCFB9230}">
+                <p14:media xmlns:p14="http://schemas.microsoft.com/office/powerpoint/2010/main" r:embed="rId1"/>
+              </p:ext>
+            </p:extLst>
+          </p:nvPr>
+        </p:nvPicPr>
+        <p:blipFill>
+          <a:blip r:embed="rId7"/>
+          <a:stretch>
+            <a:fillRect/>
+          </a:stretch>
+        </p:blipFill>
+        <p:spPr>
+          <a:xfrm>
+            <a:off x="481679" y="5795682"/>
+            <a:ext cx="609600" cy="609600"/>
+          </a:xfrm>
+          <a:prstGeom prst="rect">
+            <a:avLst/>
+          </a:prstGeom>
+        </p:spPr>
+      </p:pic>
     </p:spTree>
     <p:extLst>
       <p:ext uri="{BB962C8B-B14F-4D97-AF65-F5344CB8AC3E}">
@@ -7398,6 +7808,90 @@
   <p:clrMapOvr>
     <a:masterClrMapping/>
   </p:clrMapOvr>
+  <p:timing>
+    <p:tnLst>
+      <p:par>
+        <p:cTn id="1" dur="indefinite" restart="never" nodeType="tmRoot">
+          <p:childTnLst>
+            <p:seq concurrent="1" nextAc="seek">
+              <p:cTn id="2" dur="indefinite" nodeType="mainSeq">
+                <p:childTnLst>
+                  <p:par>
+                    <p:cTn id="3" fill="hold">
+                      <p:stCondLst>
+                        <p:cond delay="indefinite"/>
+                      </p:stCondLst>
+                      <p:childTnLst>
+                        <p:par>
+                          <p:cTn id="4" fill="hold">
+                            <p:stCondLst>
+                              <p:cond delay="0"/>
+                            </p:stCondLst>
+                            <p:childTnLst>
+                              <p:par>
+                                <p:cTn id="5" presetID="1" presetClass="mediacall" presetSubtype="0" fill="hold" nodeType="clickEffect">
+                                  <p:stCondLst>
+                                    <p:cond delay="0"/>
+                                  </p:stCondLst>
+                                  <p:childTnLst>
+                                    <p:cmd type="call" cmd="playFrom(0.0)">
+                                      <p:cBhvr>
+                                        <p:cTn id="6" dur="45008" fill="hold"/>
+                                        <p:tgtEl>
+                                          <p:spTgt spid="7"/>
+                                        </p:tgtEl>
+                                      </p:cBhvr>
+                                    </p:cmd>
+                                  </p:childTnLst>
+                                </p:cTn>
+                              </p:par>
+                            </p:childTnLst>
+                          </p:cTn>
+                        </p:par>
+                      </p:childTnLst>
+                    </p:cTn>
+                  </p:par>
+                </p:childTnLst>
+              </p:cTn>
+              <p:prevCondLst>
+                <p:cond evt="onPrev" delay="0">
+                  <p:tgtEl>
+                    <p:sldTgt/>
+                  </p:tgtEl>
+                </p:cond>
+              </p:prevCondLst>
+              <p:nextCondLst>
+                <p:cond evt="onNext" delay="0">
+                  <p:tgtEl>
+                    <p:sldTgt/>
+                  </p:tgtEl>
+                </p:cond>
+              </p:nextCondLst>
+            </p:seq>
+            <p:audio>
+              <p:cMediaNode vol="80000" showWhenStopped="0">
+                <p:cTn id="7" fill="hold" display="0">
+                  <p:stCondLst>
+                    <p:cond delay="indefinite"/>
+                  </p:stCondLst>
+                  <p:endCondLst>
+                    <p:cond evt="onStopAudio" delay="0">
+                      <p:tgtEl>
+                        <p:sldTgt/>
+                      </p:tgtEl>
+                    </p:cond>
+                  </p:endCondLst>
+                </p:cTn>
+                <p:tgtEl>
+                  <p:spTgt spid="7"/>
+                </p:tgtEl>
+              </p:cMediaNode>
+            </p:audio>
+          </p:childTnLst>
+        </p:cTn>
+      </p:par>
+    </p:tnLst>
+  </p:timing>
 </p:sld>
 </file>
 
@@ -7469,7 +7963,7 @@
           <a:p>
             <a:r>
               <a:rPr lang="fr-FR" dirty="0"/>
-              <a:t>Meilleure rigueur syntaxique (EXCECUTE IMMEDIATE)</a:t>
+              <a:t>Meilleure rigueur syntaxique (EXECUTE IMMEDIATE)</a:t>
             </a:r>
           </a:p>
           <a:p>
@@ -7507,7 +8001,7 @@
           <p:nvPr/>
         </p:nvPicPr>
         <p:blipFill>
-          <a:blip r:embed="rId2"/>
+          <a:blip r:embed="rId4"/>
           <a:stretch>
             <a:fillRect/>
           </a:stretch>
@@ -7537,7 +8031,7 @@
           <p:nvPr/>
         </p:nvPicPr>
         <p:blipFill>
-          <a:blip r:embed="rId3"/>
+          <a:blip r:embed="rId5"/>
           <a:stretch>
             <a:fillRect/>
           </a:stretch>
@@ -7567,7 +8061,7 @@
           <p:nvPr/>
         </p:nvPicPr>
         <p:blipFill>
-          <a:blip r:embed="rId4"/>
+          <a:blip r:embed="rId6"/>
           <a:stretch>
             <a:fillRect/>
           </a:stretch>
@@ -7597,7 +8091,7 @@
           <p:nvPr/>
         </p:nvPicPr>
         <p:blipFill>
-          <a:blip r:embed="rId5"/>
+          <a:blip r:embed="rId7"/>
           <a:stretch>
             <a:fillRect/>
           </a:stretch>
@@ -7627,7 +8121,7 @@
           <p:nvPr/>
         </p:nvPicPr>
         <p:blipFill>
-          <a:blip r:embed="rId6"/>
+          <a:blip r:embed="rId8"/>
           <a:stretch>
             <a:fillRect/>
           </a:stretch>
@@ -7657,7 +8151,7 @@
           <p:nvPr/>
         </p:nvPicPr>
         <p:blipFill>
-          <a:blip r:embed="rId7"/>
+          <a:blip r:embed="rId9"/>
           <a:stretch>
             <a:fillRect/>
           </a:stretch>
@@ -7701,10 +8195,233 @@
           </a:p>
         </p:txBody>
       </p:sp>
+      <p:pic>
+        <p:nvPicPr>
+          <p:cNvPr id="11" name="Diapo_5">
+            <a:hlinkClick r:id="" action="ppaction://media"/>
+            <a:extLst>
+              <a:ext uri="{FF2B5EF4-FFF2-40B4-BE49-F238E27FC236}">
+                <a16:creationId xmlns:a16="http://schemas.microsoft.com/office/drawing/2014/main" id="{58051736-1FE5-4763-A2A2-C5982B05FA87}"/>
+              </a:ext>
+            </a:extLst>
+          </p:cNvPr>
+          <p:cNvPicPr>
+            <a:picLocks noChangeAspect="1"/>
+          </p:cNvPicPr>
+          <p:nvPr>
+            <a:audioFile r:link="rId2"/>
+            <p:extLst>
+              <p:ext uri="{DAA4B4D4-6D71-4841-9C94-3DE7FCFB9230}">
+                <p14:media xmlns:p14="http://schemas.microsoft.com/office/powerpoint/2010/main" r:embed="rId1"/>
+              </p:ext>
+            </p:extLst>
+          </p:nvPr>
+        </p:nvPicPr>
+        <p:blipFill>
+          <a:blip r:embed="rId10"/>
+          <a:stretch>
+            <a:fillRect/>
+          </a:stretch>
+        </p:blipFill>
+        <p:spPr>
+          <a:xfrm>
+            <a:off x="9168714" y="230394"/>
+            <a:ext cx="609600" cy="609600"/>
+          </a:xfrm>
+          <a:prstGeom prst="rect">
+            <a:avLst/>
+          </a:prstGeom>
+        </p:spPr>
+      </p:pic>
     </p:spTree>
     <p:extLst>
       <p:ext uri="{BB962C8B-B14F-4D97-AF65-F5344CB8AC3E}">
         <p14:creationId xmlns:p14="http://schemas.microsoft.com/office/powerpoint/2010/main" val="1389103023"/>
+      </p:ext>
+    </p:extLst>
+  </p:cSld>
+  <p:clrMapOvr>
+    <a:masterClrMapping/>
+  </p:clrMapOvr>
+  <p:timing>
+    <p:tnLst>
+      <p:par>
+        <p:cTn id="1" dur="indefinite" restart="never" nodeType="tmRoot">
+          <p:childTnLst>
+            <p:seq concurrent="1" nextAc="seek">
+              <p:cTn id="2" dur="indefinite" nodeType="mainSeq">
+                <p:childTnLst>
+                  <p:par>
+                    <p:cTn id="3" fill="hold">
+                      <p:stCondLst>
+                        <p:cond delay="indefinite"/>
+                      </p:stCondLst>
+                      <p:childTnLst>
+                        <p:par>
+                          <p:cTn id="4" fill="hold">
+                            <p:stCondLst>
+                              <p:cond delay="0"/>
+                            </p:stCondLst>
+                            <p:childTnLst>
+                              <p:par>
+                                <p:cTn id="5" presetID="1" presetClass="mediacall" presetSubtype="0" fill="hold" nodeType="clickEffect">
+                                  <p:stCondLst>
+                                    <p:cond delay="0"/>
+                                  </p:stCondLst>
+                                  <p:childTnLst>
+                                    <p:cmd type="call" cmd="playFrom(0.0)">
+                                      <p:cBhvr>
+                                        <p:cTn id="6" dur="33878" fill="hold"/>
+                                        <p:tgtEl>
+                                          <p:spTgt spid="11"/>
+                                        </p:tgtEl>
+                                      </p:cBhvr>
+                                    </p:cmd>
+                                  </p:childTnLst>
+                                </p:cTn>
+                              </p:par>
+                            </p:childTnLst>
+                          </p:cTn>
+                        </p:par>
+                      </p:childTnLst>
+                    </p:cTn>
+                  </p:par>
+                </p:childTnLst>
+              </p:cTn>
+              <p:prevCondLst>
+                <p:cond evt="onPrev" delay="0">
+                  <p:tgtEl>
+                    <p:sldTgt/>
+                  </p:tgtEl>
+                </p:cond>
+              </p:prevCondLst>
+              <p:nextCondLst>
+                <p:cond evt="onNext" delay="0">
+                  <p:tgtEl>
+                    <p:sldTgt/>
+                  </p:tgtEl>
+                </p:cond>
+              </p:nextCondLst>
+            </p:seq>
+            <p:audio>
+              <p:cMediaNode vol="80000" showWhenStopped="0">
+                <p:cTn id="7" fill="hold" display="0">
+                  <p:stCondLst>
+                    <p:cond delay="indefinite"/>
+                  </p:stCondLst>
+                  <p:endCondLst>
+                    <p:cond evt="onStopAudio" delay="0">
+                      <p:tgtEl>
+                        <p:sldTgt/>
+                      </p:tgtEl>
+                    </p:cond>
+                  </p:endCondLst>
+                </p:cTn>
+                <p:tgtEl>
+                  <p:spTgt spid="11"/>
+                </p:tgtEl>
+              </p:cMediaNode>
+            </p:audio>
+          </p:childTnLst>
+        </p:cTn>
+      </p:par>
+    </p:tnLst>
+  </p:timing>
+</p:sld>
+</file>
+
+<file path=ppt/slides/slide6.xml><?xml version="1.0" encoding="utf-8"?>
+<p:sld xmlns:a="http://schemas.openxmlformats.org/drawingml/2006/main" xmlns:r="http://schemas.openxmlformats.org/officeDocument/2006/relationships" xmlns:p="http://schemas.openxmlformats.org/presentationml/2006/main">
+  <p:cSld>
+    <p:spTree>
+      <p:nvGrpSpPr>
+        <p:cNvPr id="1" name=""/>
+        <p:cNvGrpSpPr/>
+        <p:nvPr/>
+      </p:nvGrpSpPr>
+      <p:grpSpPr>
+        <a:xfrm>
+          <a:off x="0" y="0"/>
+          <a:ext cx="0" cy="0"/>
+          <a:chOff x="0" y="0"/>
+          <a:chExt cx="0" cy="0"/>
+        </a:xfrm>
+      </p:grpSpPr>
+      <p:sp>
+        <p:nvSpPr>
+          <p:cNvPr id="4" name="Slide Number Placeholder 3">
+            <a:extLst>
+              <a:ext uri="{FF2B5EF4-FFF2-40B4-BE49-F238E27FC236}">
+                <a16:creationId xmlns:a16="http://schemas.microsoft.com/office/drawing/2014/main" id="{1EAABB17-E24D-4E10-B817-FCC0BAFF7966}"/>
+              </a:ext>
+            </a:extLst>
+          </p:cNvPr>
+          <p:cNvSpPr>
+            <a:spLocks noGrp="1"/>
+          </p:cNvSpPr>
+          <p:nvPr>
+            <p:ph type="sldNum" sz="quarter" idx="12"/>
+          </p:nvPr>
+        </p:nvSpPr>
+        <p:spPr/>
+        <p:txBody>
+          <a:bodyPr/>
+          <a:lstStyle/>
+          <a:p>
+            <a:fld id="{AFF9997C-4857-4987-B1DF-2481F986A0B2}" type="slidenum">
+              <a:rPr lang="fr-FR" smtClean="0"/>
+              <a:t>6</a:t>
+            </a:fld>
+            <a:endParaRPr lang="fr-FR"/>
+          </a:p>
+        </p:txBody>
+      </p:sp>
+      <p:sp>
+        <p:nvSpPr>
+          <p:cNvPr id="6" name="TextBox 5">
+            <a:extLst>
+              <a:ext uri="{FF2B5EF4-FFF2-40B4-BE49-F238E27FC236}">
+                <a16:creationId xmlns:a16="http://schemas.microsoft.com/office/drawing/2014/main" id="{2345AD15-B2F9-4C97-884E-6B4D87EBBB0E}"/>
+              </a:ext>
+            </a:extLst>
+          </p:cNvPr>
+          <p:cNvSpPr txBox="1"/>
+          <p:nvPr/>
+        </p:nvSpPr>
+        <p:spPr>
+          <a:xfrm>
+            <a:off x="1309816" y="2833816"/>
+            <a:ext cx="9967784" cy="830997"/>
+          </a:xfrm>
+          <a:prstGeom prst="rect">
+            <a:avLst/>
+          </a:prstGeom>
+          <a:noFill/>
+        </p:spPr>
+        <p:txBody>
+          <a:bodyPr wrap="square" rtlCol="0">
+            <a:spAutoFit/>
+          </a:bodyPr>
+          <a:lstStyle/>
+          <a:p>
+            <a:r>
+              <a:rPr lang="fr-FR" sz="4800" dirty="0"/>
+              <a:t>Merci de nous avoir écouté </a:t>
+            </a:r>
+            <a:r>
+              <a:rPr lang="fr-FR" sz="4800" dirty="0">
+                <a:sym typeface="Wingdings" panose="05000000000000000000" pitchFamily="2" charset="2"/>
+              </a:rPr>
+              <a:t>;)</a:t>
+            </a:r>
+            <a:endParaRPr lang="fr-FR" sz="4800" dirty="0"/>
+          </a:p>
+        </p:txBody>
+      </p:sp>
+    </p:spTree>
+    <p:extLst>
+      <p:ext uri="{BB962C8B-B14F-4D97-AF65-F5344CB8AC3E}">
+        <p14:creationId xmlns:p14="http://schemas.microsoft.com/office/powerpoint/2010/main" val="2397705269"/>
       </p:ext>
     </p:extLst>
   </p:cSld>
